--- a/Documenti/progettoAMOD.pptx
+++ b/Documenti/progettoAMOD.pptx
@@ -3577,7 +3577,7 @@
         <p:spPr>
           <a:xfrm rot="0">
             <a:off x="10711043" y="8743950"/>
-            <a:ext cx="6708443" cy="514350"/>
+            <a:ext cx="6940658" cy="514350"/>
           </a:xfrm>
           <a:prstGeom prst="rect">
             <a:avLst/>
@@ -3601,7 +3601,7 @@
                 </a:solidFill>
                 <a:latin typeface="Nunito"/>
               </a:rPr>
-              <a:t>luca.dimarco.01.students.uniroma2.eu</a:t>
+              <a:t>luca.dimarco.01@students.uniroma2.eu</a:t>
             </a:r>
           </a:p>
         </p:txBody>

--- a/Documenti/progettoAMOD.pptx
+++ b/Documenti/progettoAMOD.pptx
@@ -12474,7 +12474,7 @@
         </p:nvSpPr>
         <p:spPr>
           <a:xfrm flipH="false" flipV="false" rot="0">
-            <a:off x="5139012" y="4412255"/>
+            <a:off x="5107200" y="3919211"/>
             <a:ext cx="8073600" cy="986089"/>
           </a:xfrm>
           <a:custGeom>
@@ -12514,7 +12514,53 @@
       </p:sp>
       <p:sp>
         <p:nvSpPr>
-          <p:cNvPr name="TextBox 17" id="17"/>
+          <p:cNvPr name="Freeform 17" id="17"/>
+          <p:cNvSpPr/>
+          <p:nvPr/>
+        </p:nvSpPr>
+        <p:spPr>
+          <a:xfrm flipH="false" flipV="false" rot="0">
+            <a:off x="5425983" y="5914179"/>
+            <a:ext cx="7436034" cy="1068988"/>
+          </a:xfrm>
+          <a:custGeom>
+            <a:avLst/>
+            <a:gdLst/>
+            <a:ahLst/>
+            <a:cxnLst/>
+            <a:rect r="r" b="b" t="t" l="l"/>
+            <a:pathLst>
+              <a:path h="1068988" w="7436034">
+                <a:moveTo>
+                  <a:pt x="0" y="0"/>
+                </a:moveTo>
+                <a:lnTo>
+                  <a:pt x="7436034" y="0"/>
+                </a:lnTo>
+                <a:lnTo>
+                  <a:pt x="7436034" y="1068988"/>
+                </a:lnTo>
+                <a:lnTo>
+                  <a:pt x="0" y="1068988"/>
+                </a:lnTo>
+                <a:lnTo>
+                  <a:pt x="0" y="0"/>
+                </a:lnTo>
+                <a:close/>
+              </a:path>
+            </a:pathLst>
+          </a:custGeom>
+          <a:blipFill>
+            <a:blip r:embed="rId9"/>
+            <a:stretch>
+              <a:fillRect l="0" t="0" r="0" b="0"/>
+            </a:stretch>
+          </a:blipFill>
+        </p:spPr>
+      </p:sp>
+      <p:sp>
+        <p:nvSpPr>
+          <p:cNvPr name="TextBox 18" id="18"/>
           <p:cNvSpPr txBox="true"/>
           <p:nvPr/>
         </p:nvSpPr>
@@ -12552,7 +12598,7 @@
       </p:sp>
       <p:sp>
         <p:nvSpPr>
-          <p:cNvPr name="TextBox 18" id="18"/>
+          <p:cNvPr name="TextBox 19" id="19"/>
           <p:cNvSpPr txBox="true"/>
           <p:nvPr/>
         </p:nvSpPr>
@@ -12585,7 +12631,16 @@
                 </a:solidFill>
                 <a:latin typeface="Nunito"/>
               </a:rPr>
-              <a:t>Indicheremo con:</a:t>
+              <a:t>Indicheremo nel </a:t>
+            </a:r>
+            <a:r>
+              <a:rPr lang="en-US" sz="3499">
+                <a:solidFill>
+                  <a:srgbClr val="000000"/>
+                </a:solidFill>
+                <a:latin typeface="Nunito Bold"/>
+              </a:rPr>
+              <a:t>modello posizionale:</a:t>
             </a:r>
           </a:p>
           <a:p>
@@ -12599,7 +12654,7 @@
       </p:sp>
       <p:sp>
         <p:nvSpPr>
-          <p:cNvPr name="TextBox 19" id="19"/>
+          <p:cNvPr name="TextBox 20" id="20"/>
           <p:cNvSpPr txBox="true"/>
           <p:nvPr/>
         </p:nvSpPr>
@@ -12632,6 +12687,62 @@
               </a:rPr>
               <a:t>Presentation by Luca Di Marco | Algoritmi e Modelli di Ottimizzazione Discreta </a:t>
             </a:r>
+          </a:p>
+        </p:txBody>
+      </p:sp>
+      <p:sp>
+        <p:nvSpPr>
+          <p:cNvPr name="TextBox 21" id="21"/>
+          <p:cNvSpPr txBox="true"/>
+          <p:nvPr/>
+        </p:nvSpPr>
+        <p:spPr>
+          <a:xfrm rot="0">
+            <a:off x="2246042" y="5086350"/>
+            <a:ext cx="13795916" cy="1206500"/>
+          </a:xfrm>
+          <a:prstGeom prst="rect">
+            <a:avLst/>
+          </a:prstGeom>
+        </p:spPr>
+        <p:txBody>
+          <a:bodyPr anchor="t" rtlCol="false" tIns="0" lIns="0" bIns="0" rIns="0">
+            <a:spAutoFit/>
+          </a:bodyPr>
+          <a:lstStyle/>
+          <a:p>
+            <a:pPr marL="755649" indent="-377824" lvl="1">
+              <a:lnSpc>
+                <a:spcPts val="4899"/>
+              </a:lnSpc>
+              <a:buFont typeface="Arial"/>
+              <a:buChar char="•"/>
+            </a:pPr>
+            <a:r>
+              <a:rPr lang="en-US" sz="3499">
+                <a:solidFill>
+                  <a:srgbClr val="000000"/>
+                </a:solidFill>
+                <a:latin typeface="Nunito"/>
+              </a:rPr>
+              <a:t>Indicheremo nel </a:t>
+            </a:r>
+            <a:r>
+              <a:rPr lang="en-US" sz="3499">
+                <a:solidFill>
+                  <a:srgbClr val="000000"/>
+                </a:solidFill>
+                <a:latin typeface="Nunito Bold"/>
+              </a:rPr>
+              <a:t>modello a precedenze: </a:t>
+            </a:r>
+          </a:p>
+          <a:p>
+            <a:pPr>
+              <a:lnSpc>
+                <a:spcPts val="4899"/>
+              </a:lnSpc>
+            </a:pPr>
           </a:p>
         </p:txBody>
       </p:sp>

--- a/Documenti/progettoAMOD.pptx
+++ b/Documenti/progettoAMOD.pptx
@@ -14110,8 +14110,8 @@
         </p:nvSpPr>
         <p:spPr>
           <a:xfrm flipH="false" flipV="false" rot="0">
-            <a:off x="9680003" y="3884389"/>
-            <a:ext cx="5973618" cy="3923304"/>
+            <a:off x="9776462" y="3528018"/>
+            <a:ext cx="5749840" cy="4279675"/>
           </a:xfrm>
           <a:custGeom>
             <a:avLst/>
@@ -14120,18 +14120,18 @@
             <a:cxnLst/>
             <a:rect r="r" b="b" t="t" l="l"/>
             <a:pathLst>
-              <a:path h="3923304" w="5973618">
+              <a:path h="4279675" w="5749840">
                 <a:moveTo>
                   <a:pt x="0" y="0"/>
                 </a:moveTo>
                 <a:lnTo>
-                  <a:pt x="5973618" y="0"/>
-                </a:lnTo>
-                <a:lnTo>
-                  <a:pt x="5973618" y="3923304"/>
-                </a:lnTo>
-                <a:lnTo>
-                  <a:pt x="0" y="3923304"/>
+                  <a:pt x="5749839" y="0"/>
+                </a:lnTo>
+                <a:lnTo>
+                  <a:pt x="5749839" y="4279675"/>
+                </a:lnTo>
+                <a:lnTo>
+                  <a:pt x="0" y="4279675"/>
                 </a:lnTo>
                 <a:lnTo>
                   <a:pt x="0" y="0"/>

--- a/Documenti/progettoAMOD.pptx
+++ b/Documenti/progettoAMOD.pptx
@@ -3310,7 +3310,9 @@
                   <a:lnTo>
                     <a:pt x="0" y="374250"/>
                   </a:lnTo>
-                  <a:close/>
+                  <a:lnTo>
+                    <a:pt x="0" y="0"/>
+                  </a:lnTo>
                 </a:path>
               </a:pathLst>
             </a:custGeom>
@@ -3847,7 +3849,9 @@
                   <a:lnTo>
                     <a:pt x="0" y="1718953"/>
                   </a:lnTo>
-                  <a:close/>
+                  <a:lnTo>
+                    <a:pt x="0" y="0"/>
+                  </a:lnTo>
                 </a:path>
               </a:pathLst>
             </a:custGeom>
@@ -3932,7 +3936,9 @@
                   <a:lnTo>
                     <a:pt x="0" y="455698"/>
                   </a:lnTo>
-                  <a:close/>
+                  <a:lnTo>
+                    <a:pt x="0" y="0"/>
+                  </a:lnTo>
                 </a:path>
               </a:pathLst>
             </a:custGeom>
@@ -4031,7 +4037,9 @@
                   <a:lnTo>
                     <a:pt x="0" y="490218"/>
                   </a:lnTo>
-                  <a:close/>
+                  <a:lnTo>
+                    <a:pt x="0" y="0"/>
+                  </a:lnTo>
                 </a:path>
               </a:pathLst>
             </a:custGeom>
@@ -4633,7 +4641,9 @@
                   <a:lnTo>
                     <a:pt x="0" y="1718953"/>
                   </a:lnTo>
-                  <a:close/>
+                  <a:lnTo>
+                    <a:pt x="0" y="0"/>
+                  </a:lnTo>
                 </a:path>
               </a:pathLst>
             </a:custGeom>
@@ -4718,7 +4728,9 @@
                   <a:lnTo>
                     <a:pt x="0" y="455698"/>
                   </a:lnTo>
-                  <a:close/>
+                  <a:lnTo>
+                    <a:pt x="0" y="0"/>
+                  </a:lnTo>
                 </a:path>
               </a:pathLst>
             </a:custGeom>
@@ -4817,7 +4829,9 @@
                   <a:lnTo>
                     <a:pt x="0" y="490218"/>
                   </a:lnTo>
-                  <a:close/>
+                  <a:lnTo>
+                    <a:pt x="0" y="0"/>
+                  </a:lnTo>
                 </a:path>
               </a:pathLst>
             </a:custGeom>
@@ -5359,7 +5373,9 @@
                   <a:lnTo>
                     <a:pt x="0" y="1718953"/>
                   </a:lnTo>
-                  <a:close/>
+                  <a:lnTo>
+                    <a:pt x="0" y="0"/>
+                  </a:lnTo>
                 </a:path>
               </a:pathLst>
             </a:custGeom>
@@ -5444,7 +5460,9 @@
                   <a:lnTo>
                     <a:pt x="0" y="455698"/>
                   </a:lnTo>
-                  <a:close/>
+                  <a:lnTo>
+                    <a:pt x="0" y="0"/>
+                  </a:lnTo>
                 </a:path>
               </a:pathLst>
             </a:custGeom>
@@ -5543,7 +5561,9 @@
                   <a:lnTo>
                     <a:pt x="0" y="490218"/>
                   </a:lnTo>
-                  <a:close/>
+                  <a:lnTo>
+                    <a:pt x="0" y="0"/>
+                  </a:lnTo>
                 </a:path>
               </a:pathLst>
             </a:custGeom>
@@ -6085,7 +6105,9 @@
                   <a:lnTo>
                     <a:pt x="0" y="1718953"/>
                   </a:lnTo>
-                  <a:close/>
+                  <a:lnTo>
+                    <a:pt x="0" y="0"/>
+                  </a:lnTo>
                 </a:path>
               </a:pathLst>
             </a:custGeom>
@@ -6170,7 +6192,9 @@
                   <a:lnTo>
                     <a:pt x="0" y="455698"/>
                   </a:lnTo>
-                  <a:close/>
+                  <a:lnTo>
+                    <a:pt x="0" y="0"/>
+                  </a:lnTo>
                 </a:path>
               </a:pathLst>
             </a:custGeom>
@@ -6269,7 +6293,9 @@
                   <a:lnTo>
                     <a:pt x="0" y="490218"/>
                   </a:lnTo>
-                  <a:close/>
+                  <a:lnTo>
+                    <a:pt x="0" y="0"/>
+                  </a:lnTo>
                 </a:path>
               </a:pathLst>
             </a:custGeom>
@@ -6903,7 +6929,9 @@
                   <a:lnTo>
                     <a:pt x="0" y="1718953"/>
                   </a:lnTo>
-                  <a:close/>
+                  <a:lnTo>
+                    <a:pt x="0" y="0"/>
+                  </a:lnTo>
                 </a:path>
               </a:pathLst>
             </a:custGeom>
@@ -6988,7 +7016,9 @@
                   <a:lnTo>
                     <a:pt x="0" y="455698"/>
                   </a:lnTo>
-                  <a:close/>
+                  <a:lnTo>
+                    <a:pt x="0" y="0"/>
+                  </a:lnTo>
                 </a:path>
               </a:pathLst>
             </a:custGeom>
@@ -7087,7 +7117,9 @@
                   <a:lnTo>
                     <a:pt x="0" y="490218"/>
                   </a:lnTo>
-                  <a:close/>
+                  <a:lnTo>
+                    <a:pt x="0" y="0"/>
+                  </a:lnTo>
                 </a:path>
               </a:pathLst>
             </a:custGeom>
@@ -7629,7 +7661,9 @@
                   <a:lnTo>
                     <a:pt x="0" y="1718953"/>
                   </a:lnTo>
-                  <a:close/>
+                  <a:lnTo>
+                    <a:pt x="0" y="0"/>
+                  </a:lnTo>
                 </a:path>
               </a:pathLst>
             </a:custGeom>
@@ -7714,7 +7748,9 @@
                   <a:lnTo>
                     <a:pt x="0" y="455698"/>
                   </a:lnTo>
-                  <a:close/>
+                  <a:lnTo>
+                    <a:pt x="0" y="0"/>
+                  </a:lnTo>
                 </a:path>
               </a:pathLst>
             </a:custGeom>
@@ -7813,7 +7849,9 @@
                   <a:lnTo>
                     <a:pt x="0" y="490218"/>
                   </a:lnTo>
-                  <a:close/>
+                  <a:lnTo>
+                    <a:pt x="0" y="0"/>
+                  </a:lnTo>
                 </a:path>
               </a:pathLst>
             </a:custGeom>
@@ -8361,7 +8399,9 @@
                   <a:lnTo>
                     <a:pt x="0" y="1718953"/>
                   </a:lnTo>
-                  <a:close/>
+                  <a:lnTo>
+                    <a:pt x="0" y="0"/>
+                  </a:lnTo>
                 </a:path>
               </a:pathLst>
             </a:custGeom>
@@ -8446,7 +8486,9 @@
                   <a:lnTo>
                     <a:pt x="0" y="455698"/>
                   </a:lnTo>
-                  <a:close/>
+                  <a:lnTo>
+                    <a:pt x="0" y="0"/>
+                  </a:lnTo>
                 </a:path>
               </a:pathLst>
             </a:custGeom>
@@ -8545,7 +8587,9 @@
                   <a:lnTo>
                     <a:pt x="0" y="490218"/>
                   </a:lnTo>
-                  <a:close/>
+                  <a:lnTo>
+                    <a:pt x="0" y="0"/>
+                  </a:lnTo>
                 </a:path>
               </a:pathLst>
             </a:custGeom>
@@ -9084,7 +9128,9 @@
                   <a:lnTo>
                     <a:pt x="0" y="1718953"/>
                   </a:lnTo>
-                  <a:close/>
+                  <a:lnTo>
+                    <a:pt x="0" y="0"/>
+                  </a:lnTo>
                 </a:path>
               </a:pathLst>
             </a:custGeom>
@@ -9169,7 +9215,9 @@
                   <a:lnTo>
                     <a:pt x="0" y="455698"/>
                   </a:lnTo>
-                  <a:close/>
+                  <a:lnTo>
+                    <a:pt x="0" y="0"/>
+                  </a:lnTo>
                 </a:path>
               </a:pathLst>
             </a:custGeom>
@@ -9268,7 +9316,9 @@
                   <a:lnTo>
                     <a:pt x="0" y="490218"/>
                   </a:lnTo>
-                  <a:close/>
+                  <a:lnTo>
+                    <a:pt x="0" y="0"/>
+                  </a:lnTo>
                 </a:path>
               </a:pathLst>
             </a:custGeom>
@@ -9771,7 +9821,9 @@
                   <a:lnTo>
                     <a:pt x="0" y="1718953"/>
                   </a:lnTo>
-                  <a:close/>
+                  <a:lnTo>
+                    <a:pt x="0" y="0"/>
+                  </a:lnTo>
                 </a:path>
               </a:pathLst>
             </a:custGeom>
@@ -9856,7 +9908,9 @@
                   <a:lnTo>
                     <a:pt x="0" y="455698"/>
                   </a:lnTo>
-                  <a:close/>
+                  <a:lnTo>
+                    <a:pt x="0" y="0"/>
+                  </a:lnTo>
                 </a:path>
               </a:pathLst>
             </a:custGeom>
@@ -9955,7 +10009,9 @@
                   <a:lnTo>
                     <a:pt x="0" y="490218"/>
                   </a:lnTo>
-                  <a:close/>
+                  <a:lnTo>
+                    <a:pt x="0" y="0"/>
+                  </a:lnTo>
                 </a:path>
               </a:pathLst>
             </a:custGeom>
@@ -10584,7 +10640,9 @@
                   <a:lnTo>
                     <a:pt x="0" y="1718953"/>
                   </a:lnTo>
-                  <a:close/>
+                  <a:lnTo>
+                    <a:pt x="0" y="0"/>
+                  </a:lnTo>
                 </a:path>
               </a:pathLst>
             </a:custGeom>
@@ -10669,7 +10727,9 @@
                   <a:lnTo>
                     <a:pt x="0" y="455698"/>
                   </a:lnTo>
-                  <a:close/>
+                  <a:lnTo>
+                    <a:pt x="0" y="0"/>
+                  </a:lnTo>
                 </a:path>
               </a:pathLst>
             </a:custGeom>
@@ -10768,7 +10828,9 @@
                   <a:lnTo>
                     <a:pt x="0" y="490218"/>
                   </a:lnTo>
-                  <a:close/>
+                  <a:lnTo>
+                    <a:pt x="0" y="0"/>
+                  </a:lnTo>
                 </a:path>
               </a:pathLst>
             </a:custGeom>
@@ -11352,7 +11414,9 @@
                   <a:lnTo>
                     <a:pt x="0" y="1718953"/>
                   </a:lnTo>
-                  <a:close/>
+                  <a:lnTo>
+                    <a:pt x="0" y="0"/>
+                  </a:lnTo>
                 </a:path>
               </a:pathLst>
             </a:custGeom>
@@ -11437,7 +11501,9 @@
                   <a:lnTo>
                     <a:pt x="0" y="455698"/>
                   </a:lnTo>
-                  <a:close/>
+                  <a:lnTo>
+                    <a:pt x="0" y="0"/>
+                  </a:lnTo>
                 </a:path>
               </a:pathLst>
             </a:custGeom>
@@ -11536,7 +11602,9 @@
                   <a:lnTo>
                     <a:pt x="0" y="490218"/>
                   </a:lnTo>
-                  <a:close/>
+                  <a:lnTo>
+                    <a:pt x="0" y="0"/>
+                  </a:lnTo>
                 </a:path>
               </a:pathLst>
             </a:custGeom>
@@ -12138,7 +12206,9 @@
                   <a:lnTo>
                     <a:pt x="0" y="1718953"/>
                   </a:lnTo>
-                  <a:close/>
+                  <a:lnTo>
+                    <a:pt x="0" y="0"/>
+                  </a:lnTo>
                 </a:path>
               </a:pathLst>
             </a:custGeom>
@@ -12223,7 +12293,9 @@
                   <a:lnTo>
                     <a:pt x="0" y="455698"/>
                   </a:lnTo>
-                  <a:close/>
+                  <a:lnTo>
+                    <a:pt x="0" y="0"/>
+                  </a:lnTo>
                 </a:path>
               </a:pathLst>
             </a:custGeom>
@@ -12322,7 +12394,9 @@
                   <a:lnTo>
                     <a:pt x="0" y="490218"/>
                   </a:lnTo>
-                  <a:close/>
+                  <a:lnTo>
+                    <a:pt x="0" y="0"/>
+                  </a:lnTo>
                 </a:path>
               </a:pathLst>
             </a:custGeom>
@@ -12935,7 +13009,9 @@
                   <a:lnTo>
                     <a:pt x="0" y="1718953"/>
                   </a:lnTo>
-                  <a:close/>
+                  <a:lnTo>
+                    <a:pt x="0" y="0"/>
+                  </a:lnTo>
                 </a:path>
               </a:pathLst>
             </a:custGeom>
@@ -13020,7 +13096,9 @@
                   <a:lnTo>
                     <a:pt x="0" y="455698"/>
                   </a:lnTo>
-                  <a:close/>
+                  <a:lnTo>
+                    <a:pt x="0" y="0"/>
+                  </a:lnTo>
                 </a:path>
               </a:pathLst>
             </a:custGeom>
@@ -13119,7 +13197,9 @@
                   <a:lnTo>
                     <a:pt x="0" y="490218"/>
                   </a:lnTo>
-                  <a:close/>
+                  <a:lnTo>
+                    <a:pt x="0" y="0"/>
+                  </a:lnTo>
                 </a:path>
               </a:pathLst>
             </a:custGeom>
@@ -13728,7 +13808,9 @@
                   <a:lnTo>
                     <a:pt x="0" y="1718953"/>
                   </a:lnTo>
-                  <a:close/>
+                  <a:lnTo>
+                    <a:pt x="0" y="0"/>
+                  </a:lnTo>
                 </a:path>
               </a:pathLst>
             </a:custGeom>
@@ -13813,7 +13895,9 @@
                   <a:lnTo>
                     <a:pt x="0" y="455698"/>
                   </a:lnTo>
-                  <a:close/>
+                  <a:lnTo>
+                    <a:pt x="0" y="0"/>
+                  </a:lnTo>
                 </a:path>
               </a:pathLst>
             </a:custGeom>
@@ -13912,7 +13996,9 @@
                   <a:lnTo>
                     <a:pt x="0" y="490218"/>
                   </a:lnTo>
-                  <a:close/>
+                  <a:lnTo>
+                    <a:pt x="0" y="0"/>
+                  </a:lnTo>
                 </a:path>
               </a:pathLst>
             </a:custGeom>
@@ -14150,7 +14236,53 @@
       </p:sp>
       <p:sp>
         <p:nvSpPr>
-          <p:cNvPr name="TextBox 18" id="18"/>
+          <p:cNvPr name="Freeform 18" id="18"/>
+          <p:cNvSpPr/>
+          <p:nvPr/>
+        </p:nvSpPr>
+        <p:spPr>
+          <a:xfrm flipH="false" flipV="false" rot="0">
+            <a:off x="5393805" y="7262307"/>
+            <a:ext cx="286612" cy="309541"/>
+          </a:xfrm>
+          <a:custGeom>
+            <a:avLst/>
+            <a:gdLst/>
+            <a:ahLst/>
+            <a:cxnLst/>
+            <a:rect r="r" b="b" t="t" l="l"/>
+            <a:pathLst>
+              <a:path h="309541" w="286612">
+                <a:moveTo>
+                  <a:pt x="0" y="0"/>
+                </a:moveTo>
+                <a:lnTo>
+                  <a:pt x="286612" y="0"/>
+                </a:lnTo>
+                <a:lnTo>
+                  <a:pt x="286612" y="309540"/>
+                </a:lnTo>
+                <a:lnTo>
+                  <a:pt x="0" y="309540"/>
+                </a:lnTo>
+                <a:lnTo>
+                  <a:pt x="0" y="0"/>
+                </a:lnTo>
+                <a:close/>
+              </a:path>
+            </a:pathLst>
+          </a:custGeom>
+          <a:blipFill>
+            <a:blip r:embed="rId10"/>
+            <a:stretch>
+              <a:fillRect l="0" t="0" r="0" b="0"/>
+            </a:stretch>
+          </a:blipFill>
+        </p:spPr>
+      </p:sp>
+      <p:sp>
+        <p:nvSpPr>
+          <p:cNvPr name="TextBox 19" id="19"/>
           <p:cNvSpPr txBox="true"/>
           <p:nvPr/>
         </p:nvSpPr>
@@ -14188,7 +14320,7 @@
       </p:sp>
       <p:sp>
         <p:nvSpPr>
-          <p:cNvPr name="TextBox 19" id="19"/>
+          <p:cNvPr name="TextBox 20" id="20"/>
           <p:cNvSpPr txBox="true"/>
           <p:nvPr/>
         </p:nvSpPr>
@@ -14246,7 +14378,7 @@
       </p:sp>
       <p:sp>
         <p:nvSpPr>
-          <p:cNvPr name="TextBox 20" id="20"/>
+          <p:cNvPr name="TextBox 21" id="21"/>
           <p:cNvSpPr txBox="true"/>
           <p:nvPr/>
         </p:nvSpPr>
@@ -14471,7 +14603,9 @@
                   <a:lnTo>
                     <a:pt x="0" y="1718953"/>
                   </a:lnTo>
-                  <a:close/>
+                  <a:lnTo>
+                    <a:pt x="0" y="0"/>
+                  </a:lnTo>
                 </a:path>
               </a:pathLst>
             </a:custGeom>
@@ -14556,7 +14690,9 @@
                   <a:lnTo>
                     <a:pt x="0" y="455698"/>
                   </a:lnTo>
-                  <a:close/>
+                  <a:lnTo>
+                    <a:pt x="0" y="0"/>
+                  </a:lnTo>
                 </a:path>
               </a:pathLst>
             </a:custGeom>
@@ -14655,7 +14791,9 @@
                   <a:lnTo>
                     <a:pt x="0" y="490218"/>
                   </a:lnTo>
-                  <a:close/>
+                  <a:lnTo>
+                    <a:pt x="0" y="0"/>
+                  </a:lnTo>
                 </a:path>
               </a:pathLst>
             </a:custGeom>
@@ -15264,7 +15402,9 @@
                   <a:lnTo>
                     <a:pt x="0" y="1718953"/>
                   </a:lnTo>
-                  <a:close/>
+                  <a:lnTo>
+                    <a:pt x="0" y="0"/>
+                  </a:lnTo>
                 </a:path>
               </a:pathLst>
             </a:custGeom>
@@ -15349,7 +15489,9 @@
                   <a:lnTo>
                     <a:pt x="0" y="455698"/>
                   </a:lnTo>
-                  <a:close/>
+                  <a:lnTo>
+                    <a:pt x="0" y="0"/>
+                  </a:lnTo>
                 </a:path>
               </a:pathLst>
             </a:custGeom>
@@ -15448,7 +15590,9 @@
                   <a:lnTo>
                     <a:pt x="0" y="490218"/>
                   </a:lnTo>
-                  <a:close/>
+                  <a:lnTo>
+                    <a:pt x="0" y="0"/>
+                  </a:lnTo>
                 </a:path>
               </a:pathLst>
             </a:custGeom>
@@ -16053,7 +16197,9 @@
                   <a:lnTo>
                     <a:pt x="0" y="1718953"/>
                   </a:lnTo>
-                  <a:close/>
+                  <a:lnTo>
+                    <a:pt x="0" y="0"/>
+                  </a:lnTo>
                 </a:path>
               </a:pathLst>
             </a:custGeom>
@@ -16138,7 +16284,9 @@
                   <a:lnTo>
                     <a:pt x="0" y="455698"/>
                   </a:lnTo>
-                  <a:close/>
+                  <a:lnTo>
+                    <a:pt x="0" y="0"/>
+                  </a:lnTo>
                 </a:path>
               </a:pathLst>
             </a:custGeom>
@@ -16237,7 +16385,9 @@
                   <a:lnTo>
                     <a:pt x="0" y="490218"/>
                   </a:lnTo>
-                  <a:close/>
+                  <a:lnTo>
+                    <a:pt x="0" y="0"/>
+                  </a:lnTo>
                 </a:path>
               </a:pathLst>
             </a:custGeom>

--- a/Documenti/progettoAMOD.pptx
+++ b/Documenti/progettoAMOD.pptx
@@ -4983,8 +4983,8 @@
         </p:nvSpPr>
         <p:spPr>
           <a:xfrm flipH="false" flipV="false" rot="0">
-            <a:off x="1520284" y="2776879"/>
-            <a:ext cx="7237456" cy="4733241"/>
+            <a:off x="1456240" y="2888961"/>
+            <a:ext cx="7365543" cy="4618920"/>
           </a:xfrm>
           <a:custGeom>
             <a:avLst/>
@@ -4993,18 +4993,18 @@
             <a:cxnLst/>
             <a:rect r="r" b="b" t="t" l="l"/>
             <a:pathLst>
-              <a:path h="4733241" w="7237456">
+              <a:path h="4618920" w="7365543">
                 <a:moveTo>
                   <a:pt x="0" y="0"/>
                 </a:moveTo>
                 <a:lnTo>
-                  <a:pt x="7237456" y="0"/>
-                </a:lnTo>
-                <a:lnTo>
-                  <a:pt x="7237456" y="4733242"/>
-                </a:lnTo>
-                <a:lnTo>
-                  <a:pt x="0" y="4733242"/>
+                  <a:pt x="7365543" y="0"/>
+                </a:lnTo>
+                <a:lnTo>
+                  <a:pt x="7365543" y="4618919"/>
+                </a:lnTo>
+                <a:lnTo>
+                  <a:pt x="0" y="4618919"/>
                 </a:lnTo>
                 <a:lnTo>
                   <a:pt x="0" y="0"/>
@@ -5029,8 +5029,8 @@
         </p:nvSpPr>
         <p:spPr>
           <a:xfrm flipH="false" flipV="false" rot="0">
-            <a:off x="9289777" y="2888961"/>
-            <a:ext cx="7718422" cy="4509078"/>
+            <a:off x="9003130" y="2888961"/>
+            <a:ext cx="7626825" cy="4618920"/>
           </a:xfrm>
           <a:custGeom>
             <a:avLst/>
@@ -5039,18 +5039,18 @@
             <a:cxnLst/>
             <a:rect r="r" b="b" t="t" l="l"/>
             <a:pathLst>
-              <a:path h="4509078" w="7718422">
+              <a:path h="4618920" w="7626825">
                 <a:moveTo>
                   <a:pt x="0" y="0"/>
                 </a:moveTo>
                 <a:lnTo>
-                  <a:pt x="7718422" y="0"/>
-                </a:lnTo>
-                <a:lnTo>
-                  <a:pt x="7718422" y="4509078"/>
-                </a:lnTo>
-                <a:lnTo>
-                  <a:pt x="0" y="4509078"/>
+                  <a:pt x="7626825" y="0"/>
+                </a:lnTo>
+                <a:lnTo>
+                  <a:pt x="7626825" y="4618919"/>
+                </a:lnTo>
+                <a:lnTo>
+                  <a:pt x="0" y="4618919"/>
                 </a:lnTo>
                 <a:lnTo>
                   <a:pt x="0" y="0"/>
@@ -5715,8 +5715,8 @@
         </p:nvSpPr>
         <p:spPr>
           <a:xfrm flipH="false" flipV="false" rot="0">
-            <a:off x="1374379" y="2975839"/>
-            <a:ext cx="7529265" cy="4335322"/>
+            <a:off x="1459106" y="2996337"/>
+            <a:ext cx="7359811" cy="4322429"/>
           </a:xfrm>
           <a:custGeom>
             <a:avLst/>
@@ -5725,18 +5725,18 @@
             <a:cxnLst/>
             <a:rect r="r" b="b" t="t" l="l"/>
             <a:pathLst>
-              <a:path h="4335322" w="7529265">
+              <a:path h="4322429" w="7359811">
                 <a:moveTo>
                   <a:pt x="0" y="0"/>
                 </a:moveTo>
                 <a:lnTo>
-                  <a:pt x="7529265" y="0"/>
-                </a:lnTo>
-                <a:lnTo>
-                  <a:pt x="7529265" y="4335322"/>
-                </a:lnTo>
-                <a:lnTo>
-                  <a:pt x="0" y="4335322"/>
+                  <a:pt x="7359811" y="0"/>
+                </a:lnTo>
+                <a:lnTo>
+                  <a:pt x="7359811" y="4322429"/>
+                </a:lnTo>
+                <a:lnTo>
+                  <a:pt x="0" y="4322429"/>
                 </a:lnTo>
                 <a:lnTo>
                   <a:pt x="0" y="0"/>
@@ -5761,8 +5761,8 @@
         </p:nvSpPr>
         <p:spPr>
           <a:xfrm flipH="false" flipV="false" rot="0">
-            <a:off x="9446741" y="2975839"/>
-            <a:ext cx="7404495" cy="4342927"/>
+            <a:off x="9144000" y="2996337"/>
+            <a:ext cx="7446398" cy="4356728"/>
           </a:xfrm>
           <a:custGeom>
             <a:avLst/>
@@ -5771,18 +5771,18 @@
             <a:cxnLst/>
             <a:rect r="r" b="b" t="t" l="l"/>
             <a:pathLst>
-              <a:path h="4342927" w="7404495">
+              <a:path h="4356728" w="7446398">
                 <a:moveTo>
                   <a:pt x="0" y="0"/>
                 </a:moveTo>
                 <a:lnTo>
-                  <a:pt x="7404495" y="0"/>
-                </a:lnTo>
-                <a:lnTo>
-                  <a:pt x="7404495" y="4342927"/>
-                </a:lnTo>
-                <a:lnTo>
-                  <a:pt x="0" y="4342927"/>
+                  <a:pt x="7446398" y="0"/>
+                </a:lnTo>
+                <a:lnTo>
+                  <a:pt x="7446398" y="4356728"/>
+                </a:lnTo>
+                <a:lnTo>
+                  <a:pt x="0" y="4356728"/>
                 </a:lnTo>
                 <a:lnTo>
                   <a:pt x="0" y="0"/>
@@ -6447,8 +6447,8 @@
         </p:nvSpPr>
         <p:spPr>
           <a:xfrm flipH="false" flipV="false" rot="0">
-            <a:off x="1254147" y="2948829"/>
-            <a:ext cx="7769729" cy="2339055"/>
+            <a:off x="1545893" y="2992769"/>
+            <a:ext cx="7598107" cy="2217826"/>
           </a:xfrm>
           <a:custGeom>
             <a:avLst/>
@@ -6457,18 +6457,18 @@
             <a:cxnLst/>
             <a:rect r="r" b="b" t="t" l="l"/>
             <a:pathLst>
-              <a:path h="2339055" w="7769729">
+              <a:path h="2217826" w="7598107">
                 <a:moveTo>
                   <a:pt x="0" y="0"/>
                 </a:moveTo>
                 <a:lnTo>
-                  <a:pt x="7769729" y="0"/>
-                </a:lnTo>
-                <a:lnTo>
-                  <a:pt x="7769729" y="2339055"/>
-                </a:lnTo>
-                <a:lnTo>
-                  <a:pt x="0" y="2339055"/>
+                  <a:pt x="7598107" y="0"/>
+                </a:lnTo>
+                <a:lnTo>
+                  <a:pt x="7598107" y="2217826"/>
+                </a:lnTo>
+                <a:lnTo>
+                  <a:pt x="0" y="2217826"/>
                 </a:lnTo>
                 <a:lnTo>
                   <a:pt x="0" y="0"/>
@@ -6493,8 +6493,8 @@
         </p:nvSpPr>
         <p:spPr>
           <a:xfrm flipH="false" flipV="false" rot="0">
-            <a:off x="1254147" y="5287884"/>
-            <a:ext cx="7769729" cy="2361998"/>
+            <a:off x="1545893" y="5210595"/>
+            <a:ext cx="7598107" cy="2222371"/>
           </a:xfrm>
           <a:custGeom>
             <a:avLst/>
@@ -6503,18 +6503,18 @@
             <a:cxnLst/>
             <a:rect r="r" b="b" t="t" l="l"/>
             <a:pathLst>
-              <a:path h="2361998" w="7769729">
+              <a:path h="2222371" w="7598107">
                 <a:moveTo>
                   <a:pt x="0" y="0"/>
                 </a:moveTo>
                 <a:lnTo>
-                  <a:pt x="7769729" y="0"/>
-                </a:lnTo>
-                <a:lnTo>
-                  <a:pt x="7769729" y="2361997"/>
-                </a:lnTo>
-                <a:lnTo>
-                  <a:pt x="0" y="2361997"/>
+                  <a:pt x="7598107" y="0"/>
+                </a:lnTo>
+                <a:lnTo>
+                  <a:pt x="7598107" y="2222371"/>
+                </a:lnTo>
+                <a:lnTo>
+                  <a:pt x="0" y="2222371"/>
                 </a:lnTo>
                 <a:lnTo>
                   <a:pt x="0" y="0"/>
@@ -6539,8 +6539,8 @@
         </p:nvSpPr>
         <p:spPr>
           <a:xfrm flipH="false" flipV="false" rot="0">
-            <a:off x="9425789" y="2992769"/>
-            <a:ext cx="7446398" cy="2150731"/>
+            <a:off x="9410526" y="2992769"/>
+            <a:ext cx="7447156" cy="2150731"/>
           </a:xfrm>
           <a:custGeom>
             <a:avLst/>
@@ -6549,15 +6549,15 @@
             <a:cxnLst/>
             <a:rect r="r" b="b" t="t" l="l"/>
             <a:pathLst>
-              <a:path h="2150731" w="7446398">
+              <a:path h="2150731" w="7447156">
                 <a:moveTo>
                   <a:pt x="0" y="0"/>
                 </a:moveTo>
                 <a:lnTo>
-                  <a:pt x="7446398" y="0"/>
-                </a:lnTo>
-                <a:lnTo>
-                  <a:pt x="7446398" y="2150731"/>
+                  <a:pt x="7447156" y="0"/>
+                </a:lnTo>
+                <a:lnTo>
+                  <a:pt x="7447156" y="2150731"/>
                 </a:lnTo>
                 <a:lnTo>
                   <a:pt x="0" y="2150731"/>
@@ -6585,8 +6585,8 @@
         </p:nvSpPr>
         <p:spPr>
           <a:xfrm flipH="false" flipV="false" rot="0">
-            <a:off x="9425789" y="5143500"/>
-            <a:ext cx="7446398" cy="2201007"/>
+            <a:off x="9410526" y="5143500"/>
+            <a:ext cx="7447156" cy="2102260"/>
           </a:xfrm>
           <a:custGeom>
             <a:avLst/>
@@ -6595,18 +6595,18 @@
             <a:cxnLst/>
             <a:rect r="r" b="b" t="t" l="l"/>
             <a:pathLst>
-              <a:path h="2201007" w="7446398">
+              <a:path h="2102260" w="7447156">
                 <a:moveTo>
                   <a:pt x="0" y="0"/>
                 </a:moveTo>
                 <a:lnTo>
-                  <a:pt x="7446398" y="0"/>
-                </a:lnTo>
-                <a:lnTo>
-                  <a:pt x="7446398" y="2201007"/>
-                </a:lnTo>
-                <a:lnTo>
-                  <a:pt x="0" y="2201007"/>
+                  <a:pt x="7447156" y="0"/>
+                </a:lnTo>
+                <a:lnTo>
+                  <a:pt x="7447156" y="2102260"/>
+                </a:lnTo>
+                <a:lnTo>
+                  <a:pt x="0" y="2102260"/>
                 </a:lnTo>
                 <a:lnTo>
                   <a:pt x="0" y="0"/>
@@ -7271,8 +7271,8 @@
         </p:nvSpPr>
         <p:spPr>
           <a:xfrm flipH="false" flipV="false" rot="0">
-            <a:off x="4845054" y="2623629"/>
-            <a:ext cx="8597892" cy="2519871"/>
+            <a:off x="4848126" y="2417534"/>
+            <a:ext cx="8591747" cy="2478164"/>
           </a:xfrm>
           <a:custGeom>
             <a:avLst/>
@@ -7281,18 +7281,18 @@
             <a:cxnLst/>
             <a:rect r="r" b="b" t="t" l="l"/>
             <a:pathLst>
-              <a:path h="2519871" w="8597892">
+              <a:path h="2478164" w="8591747">
                 <a:moveTo>
                   <a:pt x="0" y="0"/>
                 </a:moveTo>
                 <a:lnTo>
-                  <a:pt x="8597892" y="0"/>
-                </a:lnTo>
-                <a:lnTo>
-                  <a:pt x="8597892" y="2519871"/>
-                </a:lnTo>
-                <a:lnTo>
-                  <a:pt x="0" y="2519871"/>
+                  <a:pt x="8591748" y="0"/>
+                </a:lnTo>
+                <a:lnTo>
+                  <a:pt x="8591748" y="2478164"/>
+                </a:lnTo>
+                <a:lnTo>
+                  <a:pt x="0" y="2478164"/>
                 </a:lnTo>
                 <a:lnTo>
                   <a:pt x="0" y="0"/>
@@ -7317,8 +7317,8 @@
         </p:nvSpPr>
         <p:spPr>
           <a:xfrm flipH="false" flipV="false" rot="0">
-            <a:off x="4845054" y="5143500"/>
-            <a:ext cx="8597892" cy="2540554"/>
+            <a:off x="4848126" y="4895698"/>
+            <a:ext cx="8591747" cy="2561997"/>
           </a:xfrm>
           <a:custGeom>
             <a:avLst/>
@@ -7327,18 +7327,18 @@
             <a:cxnLst/>
             <a:rect r="r" b="b" t="t" l="l"/>
             <a:pathLst>
-              <a:path h="2540554" w="8597892">
+              <a:path h="2561997" w="8591747">
                 <a:moveTo>
                   <a:pt x="0" y="0"/>
                 </a:moveTo>
                 <a:lnTo>
-                  <a:pt x="8597892" y="0"/>
-                </a:lnTo>
-                <a:lnTo>
-                  <a:pt x="8597892" y="2540554"/>
-                </a:lnTo>
-                <a:lnTo>
-                  <a:pt x="0" y="2540554"/>
+                  <a:pt x="8591748" y="0"/>
+                </a:lnTo>
+                <a:lnTo>
+                  <a:pt x="8591748" y="2561997"/>
+                </a:lnTo>
+                <a:lnTo>
+                  <a:pt x="0" y="2561997"/>
                 </a:lnTo>
                 <a:lnTo>
                   <a:pt x="0" y="0"/>
@@ -8896,7 +8896,7 @@
                 </a:solidFill>
                 <a:latin typeface="Nunito"/>
               </a:rPr>
-              <a:t> risulta molto veloce ma restituisce soluzione non migliori dei precedenti modelli.</a:t>
+              <a:t> restituisce, spesso, soluzioni non migliori dei precedenti modelli.</a:t>
             </a:r>
           </a:p>
         </p:txBody>
@@ -9509,7 +9509,7 @@
         <p:spPr>
           <a:xfrm rot="0">
             <a:off x="2246042" y="2902350"/>
-            <a:ext cx="13795916" cy="3683000"/>
+            <a:ext cx="13795916" cy="2444750"/>
           </a:xfrm>
           <a:prstGeom prst="rect">
             <a:avLst/>
@@ -9535,7 +9535,7 @@
                 </a:solidFill>
                 <a:latin typeface="Nunito"/>
               </a:rPr>
-              <a:t> Lo </a:t>
+              <a:t>In alcuni casi, l’algoritmo euristico, riesce a restituire </a:t>
             </a:r>
             <a:r>
               <a:rPr lang="en-US" sz="3499">
@@ -9544,7 +9544,7 @@
                 </a:solidFill>
                 <a:latin typeface="Nunito Bold"/>
               </a:rPr>
-              <a:t>scostamento minimo</a:t>
+              <a:t>valori identici</a:t>
             </a:r>
             <a:r>
               <a:rPr lang="en-US" sz="3499">
@@ -9553,7 +9553,7 @@
                 </a:solidFill>
                 <a:latin typeface="Nunito"/>
               </a:rPr>
-              <a:t> del risultato dell'algoritmo euristico rispetto l'ottimo calcolato dal modello posizionale è pari allo 0.536% (run 3 gruppo 15 job);</a:t>
+              <a:t> a quelli calcolati dal modello posizionale, indipendentemente dal numero di job presenti;</a:t>
             </a:r>
           </a:p>
           <a:p>
@@ -9571,7 +9571,7 @@
                 </a:solidFill>
                 <a:latin typeface="Nunito"/>
               </a:rPr>
-              <a:t>Lo </a:t>
+              <a:t>L’algoritmo euristico rimane il più </a:t>
             </a:r>
             <a:r>
               <a:rPr lang="en-US" sz="3499">
@@ -9580,7 +9580,7 @@
                 </a:solidFill>
                 <a:latin typeface="Nunito Bold"/>
               </a:rPr>
-              <a:t>scostamento massimo</a:t>
+              <a:t>veloce</a:t>
             </a:r>
             <a:r>
               <a:rPr lang="en-US" sz="3499">
@@ -9589,7 +9589,7 @@
                 </a:solidFill>
                 <a:latin typeface="Nunito"/>
               </a:rPr>
-              <a:t> del risultato dell'algoritmo euristico rispetto l'ottimo calcolato dal modello posizionale è pari allo 8.28% (run 2 gruppo 40 job);</a:t>
+              <a:t> tra i 3 modelli.  </a:t>
             </a:r>
           </a:p>
         </p:txBody>
@@ -10202,7 +10202,7 @@
         <p:spPr>
           <a:xfrm rot="0">
             <a:off x="2246042" y="2902350"/>
-            <a:ext cx="13795916" cy="4921250"/>
+            <a:ext cx="13795916" cy="4302125"/>
           </a:xfrm>
           <a:prstGeom prst="rect">
             <a:avLst/>
@@ -10390,7 +10390,7 @@
                 </a:solidFill>
                 <a:latin typeface="Nunito"/>
               </a:rPr>
-              <a:t> fornisce risultati in breve tempo ma </a:t>
+              <a:t> fornisce risultati in breve tempo ma, spesso, </a:t>
             </a:r>
             <a:r>
               <a:rPr lang="en-US" sz="3499">
@@ -10408,7 +10408,7 @@
                 </a:solidFill>
                 <a:latin typeface="Nunito"/>
               </a:rPr>
-              <a:t> rispetto quelli calcolati dal solver con i precedenti modelli. </a:t>
+              <a:t> di quelli calcolati dal solver con i precedenti modelli. </a:t>
             </a:r>
           </a:p>
         </p:txBody>

--- a/Documenti/progettoAMOD.pptx
+++ b/Documenti/progettoAMOD.pptx
@@ -9509,7 +9509,7 @@
         <p:spPr>
           <a:xfrm rot="0">
             <a:off x="2246042" y="2902350"/>
-            <a:ext cx="13795916" cy="2444750"/>
+            <a:ext cx="13795916" cy="3683000"/>
           </a:xfrm>
           <a:prstGeom prst="rect">
             <a:avLst/>
@@ -9553,7 +9553,52 @@
                 </a:solidFill>
                 <a:latin typeface="Nunito"/>
               </a:rPr>
-              <a:t> a quelli calcolati dal modello posizionale, indipendentemente dal numero di job presenti;</a:t>
+              <a:t> a quelli calcolati dal modello posizionale, indipendentemente dal numero di job presenti, generando alcune volte </a:t>
+            </a:r>
+            <a:r>
+              <a:rPr lang="en-US" sz="3499">
+                <a:solidFill>
+                  <a:srgbClr val="000000"/>
+                </a:solidFill>
+                <a:latin typeface="Nunito Bold"/>
+              </a:rPr>
+              <a:t>sequenze identiche</a:t>
+            </a:r>
+            <a:r>
+              <a:rPr lang="en-US" sz="3499">
+                <a:solidFill>
+                  <a:srgbClr val="000000"/>
+                </a:solidFill>
+                <a:latin typeface="Nunito"/>
+              </a:rPr>
+              <a:t> al modello posizionale ed alcune volte </a:t>
+            </a:r>
+            <a:r>
+              <a:rPr lang="en-US" sz="3499">
+                <a:solidFill>
+                  <a:srgbClr val="000000"/>
+                </a:solidFill>
+                <a:latin typeface="Nunito Bold"/>
+              </a:rPr>
+              <a:t>leggermente</a:t>
+            </a:r>
+            <a:r>
+              <a:rPr lang="en-US" sz="3499">
+                <a:solidFill>
+                  <a:srgbClr val="000000"/>
+                </a:solidFill>
+                <a:latin typeface="Nunito"/>
+              </a:rPr>
+              <a:t> </a:t>
+            </a:r>
+            <a:r>
+              <a:rPr lang="en-US" sz="3499">
+                <a:solidFill>
+                  <a:srgbClr val="000000"/>
+                </a:solidFill>
+                <a:latin typeface="Nunito Bold"/>
+              </a:rPr>
+              <a:t>diverse;</a:t>
             </a:r>
           </a:p>
           <a:p>
